--- a/PPT/Library management system.pptx
+++ b/PPT/Library management system.pptx
@@ -16,7 +16,8 @@
     <p:sldId id="264" r:id="rId10"/>
     <p:sldId id="265" r:id="rId11"/>
     <p:sldId id="266" r:id="rId12"/>
-    <p:sldId id="268" r:id="rId13"/>
+    <p:sldId id="269" r:id="rId13"/>
+    <p:sldId id="268" r:id="rId14"/>
   </p:sldIdLst>
   <p:sldSz cx="12192000" cy="6858000"/>
   <p:notesSz cx="6858000" cy="9144000"/>
@@ -3652,10 +3653,15 @@
             <p:ph type="ctrTitle"/>
           </p:nvPr>
         </p:nvSpPr>
-        <p:spPr/>
+        <p:spPr>
+          <a:xfrm>
+            <a:off x="463827" y="802298"/>
+            <a:ext cx="11622156" cy="2541431"/>
+          </a:xfrm>
+        </p:spPr>
         <p:txBody>
           <a:bodyPr>
-            <a:normAutofit fontScale="90000"/>
+            <a:normAutofit/>
           </a:bodyPr>
           <a:lstStyle/>
           <a:p>
@@ -3682,22 +3688,43 @@
             <p:ph type="subTitle" idx="1"/>
           </p:nvPr>
         </p:nvSpPr>
-        <p:spPr/>
-        <p:txBody>
-          <a:bodyPr/>
+        <p:spPr>
+          <a:xfrm>
+            <a:off x="2417780" y="3531204"/>
+            <a:ext cx="9774220" cy="2975613"/>
+          </a:xfrm>
+        </p:spPr>
+        <p:txBody>
+          <a:bodyPr>
+            <a:normAutofit/>
+          </a:bodyPr>
           <a:lstStyle/>
           <a:p>
             <a:r>
               <a:rPr lang="en-US" dirty="0"/>
-              <a:t> Anjali Birla, Kalpesh </a:t>
+              <a:t> Anjali </a:t>
+            </a:r>
+            <a:r>
+              <a:rPr lang="en-US" dirty="0" err="1"/>
+              <a:t>BirlA</a:t>
+            </a:r>
+            <a:endParaRPr lang="en-US" dirty="0"/>
+          </a:p>
+          <a:p>
+            <a:r>
+              <a:rPr lang="en-US" dirty="0"/>
+              <a:t>Kalpesh </a:t>
             </a:r>
             <a:r>
               <a:rPr lang="en-US" dirty="0" err="1"/>
               <a:t>Thombre</a:t>
             </a:r>
+            <a:endParaRPr lang="en-US" dirty="0"/>
+          </a:p>
+          <a:p>
             <a:r>
               <a:rPr lang="en-US" dirty="0"/>
-              <a:t>, Prakhar </a:t>
+              <a:t> Prakhar </a:t>
             </a:r>
             <a:r>
               <a:rPr lang="en-US" dirty="0" err="1"/>
@@ -3705,15 +3732,19 @@
             </a:r>
             <a:r>
               <a:rPr lang="en-US" dirty="0"/>
-              <a:t>, Shuvendu </a:t>
-            </a:r>
-            <a:r>
-              <a:rPr lang="en-US" dirty="0" err="1"/>
-              <a:t>Dhal,Sanket</a:t>
-            </a:r>
+              <a:t>,</a:t>
+            </a:r>
+          </a:p>
+          <a:p>
             <a:r>
               <a:rPr lang="en-US" dirty="0"/>
-              <a:t> Dalvi</a:t>
+              <a:t> Shuvendu Dhal</a:t>
+            </a:r>
+          </a:p>
+          <a:p>
+            <a:r>
+              <a:rPr lang="en-US" dirty="0"/>
+              <a:t>Sanket Dalvi</a:t>
             </a:r>
           </a:p>
         </p:txBody>
@@ -3863,9 +3894,10 @@
           <a:lstStyle/>
           <a:p>
             <a:r>
-              <a:rPr lang="en-US" dirty="0"/>
-              <a:t>Book Borrow</a:t>
-            </a:r>
+              <a:rPr lang="en-US" dirty="0" err="1"/>
+              <a:t>IssuedBook</a:t>
+            </a:r>
+            <a:endParaRPr lang="en-US" dirty="0"/>
           </a:p>
         </p:txBody>
       </p:sp>
@@ -3899,7 +3931,7 @@
           <a:p>
             <a:r>
               <a:rPr lang="en-US" dirty="0" err="1"/>
-              <a:t>studentId</a:t>
+              <a:t>userId</a:t>
             </a:r>
             <a:endParaRPr lang="en-US" dirty="0"/>
           </a:p>
@@ -3913,15 +3945,23 @@
           <a:p>
             <a:r>
               <a:rPr lang="en-US" dirty="0" err="1"/>
-              <a:t>ReturnDate</a:t>
+              <a:t>returningDate</a:t>
             </a:r>
             <a:endParaRPr lang="en-US" dirty="0"/>
           </a:p>
           <a:p>
             <a:r>
-              <a:rPr lang="en-US" dirty="0"/>
-              <a:t>Approver</a:t>
-            </a:r>
+              <a:rPr lang="en-US" dirty="0" err="1"/>
+              <a:t>returnedDate</a:t>
+            </a:r>
+            <a:endParaRPr lang="en-US" dirty="0"/>
+          </a:p>
+          <a:p>
+            <a:r>
+              <a:rPr lang="en-US" dirty="0" err="1"/>
+              <a:t>approverId</a:t>
+            </a:r>
+            <a:endParaRPr lang="en-US" dirty="0"/>
           </a:p>
           <a:p>
             <a:r>
@@ -3963,6 +4003,110 @@
       </p:grpSpPr>
       <p:sp>
         <p:nvSpPr>
+          <p:cNvPr id="2" name="Title 1">
+            <a:extLst>
+              <a:ext uri="{FF2B5EF4-FFF2-40B4-BE49-F238E27FC236}">
+                <a16:creationId xmlns:a16="http://schemas.microsoft.com/office/drawing/2014/main" id="{E5C16ED8-4F16-46C2-8BE8-1FB8116D0FC8}"/>
+              </a:ext>
+            </a:extLst>
+          </p:cNvPr>
+          <p:cNvSpPr>
+            <a:spLocks noGrp="1"/>
+          </p:cNvSpPr>
+          <p:nvPr>
+            <p:ph type="title"/>
+          </p:nvPr>
+        </p:nvSpPr>
+        <p:spPr/>
+        <p:txBody>
+          <a:bodyPr/>
+          <a:lstStyle/>
+          <a:p>
+            <a:r>
+              <a:rPr lang="en-US" dirty="0"/>
+              <a:t>Due</a:t>
+            </a:r>
+          </a:p>
+        </p:txBody>
+      </p:sp>
+      <p:sp>
+        <p:nvSpPr>
+          <p:cNvPr id="3" name="Content Placeholder 2">
+            <a:extLst>
+              <a:ext uri="{FF2B5EF4-FFF2-40B4-BE49-F238E27FC236}">
+                <a16:creationId xmlns:a16="http://schemas.microsoft.com/office/drawing/2014/main" id="{670F2DEC-6079-4CF2-AEDA-6636D6EC2F6B}"/>
+              </a:ext>
+            </a:extLst>
+          </p:cNvPr>
+          <p:cNvSpPr>
+            <a:spLocks noGrp="1"/>
+          </p:cNvSpPr>
+          <p:nvPr>
+            <p:ph idx="1"/>
+          </p:nvPr>
+        </p:nvSpPr>
+        <p:spPr/>
+        <p:txBody>
+          <a:bodyPr/>
+          <a:lstStyle/>
+          <a:p>
+            <a:r>
+              <a:rPr lang="en-US" dirty="0"/>
+              <a:t>DFD</a:t>
+            </a:r>
+          </a:p>
+          <a:p>
+            <a:r>
+              <a:rPr lang="en-US" dirty="0"/>
+              <a:t>ER DIAGRAM</a:t>
+            </a:r>
+          </a:p>
+          <a:p>
+            <a:r>
+              <a:rPr lang="en-US" dirty="0"/>
+              <a:t>Class Functionality</a:t>
+            </a:r>
+          </a:p>
+          <a:p>
+            <a:r>
+              <a:rPr lang="en-US" dirty="0"/>
+              <a:t>Design</a:t>
+            </a:r>
+          </a:p>
+        </p:txBody>
+      </p:sp>
+    </p:spTree>
+    <p:extLst>
+      <p:ext uri="{BB962C8B-B14F-4D97-AF65-F5344CB8AC3E}">
+        <p14:creationId xmlns:p14="http://schemas.microsoft.com/office/powerpoint/2010/main" val="2455270363"/>
+      </p:ext>
+    </p:extLst>
+  </p:cSld>
+  <p:clrMapOvr>
+    <a:masterClrMapping/>
+  </p:clrMapOvr>
+</p:sld>
+</file>
+
+<file path=ppt/slides/slide13.xml><?xml version="1.0" encoding="utf-8"?>
+<p:sld xmlns:a="http://schemas.openxmlformats.org/drawingml/2006/main" xmlns:r="http://schemas.openxmlformats.org/officeDocument/2006/relationships" xmlns:p="http://schemas.openxmlformats.org/presentationml/2006/main">
+  <p:cSld>
+    <p:spTree>
+      <p:nvGrpSpPr>
+        <p:cNvPr id="1" name=""/>
+        <p:cNvGrpSpPr/>
+        <p:nvPr/>
+      </p:nvGrpSpPr>
+      <p:grpSpPr>
+        <a:xfrm>
+          <a:off x="0" y="0"/>
+          <a:ext cx="0" cy="0"/>
+          <a:chOff x="0" y="0"/>
+          <a:chExt cx="0" cy="0"/>
+        </a:xfrm>
+      </p:grpSpPr>
+      <p:sp>
+        <p:nvSpPr>
           <p:cNvPr id="4" name="Rectangle 3">
             <a:extLst>
               <a:ext uri="{FF2B5EF4-FFF2-40B4-BE49-F238E27FC236}">
@@ -4516,7 +4660,7 @@
         <p:spPr/>
         <p:txBody>
           <a:bodyPr>
-            <a:normAutofit fontScale="92500" lnSpcReduction="20000"/>
+            <a:normAutofit fontScale="77500" lnSpcReduction="20000"/>
           </a:bodyPr>
           <a:lstStyle/>
           <a:p>
@@ -4614,7 +4758,21 @@
               </a:rPr>
               <a:t>availableFrom</a:t>
             </a:r>
-            <a:endParaRPr lang="en-US" b="1" dirty="0"/>
+            <a:endParaRPr lang="en-US" sz="1800" b="1" dirty="0">
+              <a:latin typeface="Consolas" panose="020B0609020204030204" pitchFamily="49" charset="0"/>
+            </a:endParaRPr>
+          </a:p>
+          <a:p>
+            <a:pPr algn="l"/>
+            <a:r>
+              <a:rPr lang="en-US" sz="2000" dirty="0" err="1">
+                <a:latin typeface="Consolas" panose="020B0609020204030204" pitchFamily="49" charset="0"/>
+              </a:rPr>
+              <a:t>bookType</a:t>
+            </a:r>
+            <a:endParaRPr lang="en-US" sz="2000" dirty="0">
+              <a:latin typeface="Consolas" panose="020B0609020204030204" pitchFamily="49" charset="0"/>
+            </a:endParaRPr>
           </a:p>
         </p:txBody>
       </p:sp>
@@ -4854,7 +5012,7 @@
         <p:spPr/>
         <p:txBody>
           <a:bodyPr>
-            <a:normAutofit fontScale="92500" lnSpcReduction="20000"/>
+            <a:normAutofit fontScale="77500" lnSpcReduction="20000"/>
           </a:bodyPr>
           <a:lstStyle/>
           <a:p>
@@ -4931,6 +5089,15 @@
             <a:endParaRPr lang="en-US" sz="1800" b="1" dirty="0">
               <a:latin typeface="Consolas" panose="020B0609020204030204" pitchFamily="49" charset="0"/>
             </a:endParaRPr>
+          </a:p>
+          <a:p>
+            <a:pPr algn="l"/>
+            <a:r>
+              <a:rPr lang="en-US" sz="1800" b="1" dirty="0">
+                <a:latin typeface="Consolas" panose="020B0609020204030204" pitchFamily="49" charset="0"/>
+              </a:rPr>
+              <a:t>email</a:t>
+            </a:r>
           </a:p>
           <a:p>
             <a:pPr algn="l"/>
@@ -5061,7 +5228,25 @@
               <a:rPr lang="en-US" sz="1800" b="1" dirty="0">
                 <a:latin typeface="Consolas" panose="020B0609020204030204" pitchFamily="49" charset="0"/>
               </a:rPr>
-              <a:t>Role</a:t>
+              <a:t>role</a:t>
+            </a:r>
+          </a:p>
+          <a:p>
+            <a:pPr algn="l"/>
+            <a:r>
+              <a:rPr lang="en-US" sz="1800" b="1" dirty="0">
+                <a:latin typeface="Consolas" panose="020B0609020204030204" pitchFamily="49" charset="0"/>
+              </a:rPr>
+              <a:t>email</a:t>
+            </a:r>
+          </a:p>
+          <a:p>
+            <a:pPr algn="l"/>
+            <a:r>
+              <a:rPr lang="en-US" sz="1800" b="1" dirty="0">
+                <a:latin typeface="Consolas" panose="020B0609020204030204" pitchFamily="49" charset="0"/>
+              </a:rPr>
+              <a:t>address</a:t>
             </a:r>
           </a:p>
           <a:p>

--- a/PPT/Library management system.pptx
+++ b/PPT/Library management system.pptx
@@ -4460,15 +4460,7 @@
           <a:p>
             <a:r>
               <a:rPr lang="en-US" dirty="0"/>
-              <a:t>Calculate Book </a:t>
-            </a:r>
-            <a:r>
-              <a:rPr lang="en-US" dirty="0" err="1"/>
-              <a:t>Dealy</a:t>
-            </a:r>
-            <a:r>
-              <a:rPr lang="en-US" dirty="0"/>
-              <a:t> Fine</a:t>
+              <a:t>Calculate Book Delay Fine</a:t>
             </a:r>
           </a:p>
         </p:txBody>

--- a/PPT/Library management system.pptx
+++ b/PPT/Library management system.pptx
@@ -1,6 +1,6 @@
 
 <file path=ppt/presentation.xml><?xml version="1.0" encoding="utf-8"?>
-<p:presentation xmlns:a="http://schemas.openxmlformats.org/drawingml/2006/main" xmlns:r="http://schemas.openxmlformats.org/officeDocument/2006/relationships" xmlns:p="http://schemas.openxmlformats.org/presentationml/2006/main" saveSubsetFonts="1">
+<p:presentation xmlns:a="http://schemas.openxmlformats.org/drawingml/2006/main" xmlns:r="http://schemas.openxmlformats.org/officeDocument/2006/relationships" xmlns:p="http://schemas.openxmlformats.org/presentationml/2006/main" serverZoom="49468" saveSubsetFonts="1">
   <p:sldMasterIdLst>
     <p:sldMasterId id="2147483731" r:id="rId1"/>
   </p:sldMasterIdLst>
@@ -263,7 +263,7 @@
           <a:p>
             <a:fld id="{03523B87-C2E6-4EEA-8E4C-075E217CD158}" type="datetimeFigureOut">
               <a:rPr lang="en-US" smtClean="0"/>
-              <a:t>11-Jan-21</a:t>
+              <a:t>1/11/2021</a:t>
             </a:fld>
             <a:endParaRPr lang="en-US"/>
           </a:p>
@@ -474,7 +474,7 @@
           <a:p>
             <a:fld id="{03523B87-C2E6-4EEA-8E4C-075E217CD158}" type="datetimeFigureOut">
               <a:rPr lang="en-US" smtClean="0"/>
-              <a:t>11-Jan-21</a:t>
+              <a:t>1/11/2021</a:t>
             </a:fld>
             <a:endParaRPr lang="en-US"/>
           </a:p>
@@ -689,7 +689,7 @@
           <a:p>
             <a:fld id="{03523B87-C2E6-4EEA-8E4C-075E217CD158}" type="datetimeFigureOut">
               <a:rPr lang="en-US" smtClean="0"/>
-              <a:t>11-Jan-21</a:t>
+              <a:t>1/11/2021</a:t>
             </a:fld>
             <a:endParaRPr lang="en-US"/>
           </a:p>
@@ -890,7 +890,7 @@
           <a:p>
             <a:fld id="{03523B87-C2E6-4EEA-8E4C-075E217CD158}" type="datetimeFigureOut">
               <a:rPr lang="en-US" smtClean="0"/>
-              <a:t>11-Jan-21</a:t>
+              <a:t>1/11/2021</a:t>
             </a:fld>
             <a:endParaRPr lang="en-US"/>
           </a:p>
@@ -1169,7 +1169,7 @@
           <a:p>
             <a:fld id="{03523B87-C2E6-4EEA-8E4C-075E217CD158}" type="datetimeFigureOut">
               <a:rPr lang="en-US" smtClean="0"/>
-              <a:t>11-Jan-21</a:t>
+              <a:t>1/11/2021</a:t>
             </a:fld>
             <a:endParaRPr lang="en-US"/>
           </a:p>
@@ -1437,7 +1437,7 @@
           <a:p>
             <a:fld id="{03523B87-C2E6-4EEA-8E4C-075E217CD158}" type="datetimeFigureOut">
               <a:rPr lang="en-US" smtClean="0"/>
-              <a:t>11-Jan-21</a:t>
+              <a:t>1/11/2021</a:t>
             </a:fld>
             <a:endParaRPr lang="en-US"/>
           </a:p>
@@ -1853,7 +1853,7 @@
           <a:p>
             <a:fld id="{03523B87-C2E6-4EEA-8E4C-075E217CD158}" type="datetimeFigureOut">
               <a:rPr lang="en-US" smtClean="0"/>
-              <a:t>11-Jan-21</a:t>
+              <a:t>1/11/2021</a:t>
             </a:fld>
             <a:endParaRPr lang="en-US"/>
           </a:p>
@@ -2002,7 +2002,7 @@
           <a:p>
             <a:fld id="{03523B87-C2E6-4EEA-8E4C-075E217CD158}" type="datetimeFigureOut">
               <a:rPr lang="en-US" smtClean="0"/>
-              <a:t>11-Jan-21</a:t>
+              <a:t>1/11/2021</a:t>
             </a:fld>
             <a:endParaRPr lang="en-US"/>
           </a:p>
@@ -2128,7 +2128,7 @@
           <a:p>
             <a:fld id="{03523B87-C2E6-4EEA-8E4C-075E217CD158}" type="datetimeFigureOut">
               <a:rPr lang="en-US" smtClean="0"/>
-              <a:t>11-Jan-21</a:t>
+              <a:t>1/11/2021</a:t>
             </a:fld>
             <a:endParaRPr lang="en-US"/>
           </a:p>
@@ -2379,7 +2379,7 @@
           <a:p>
             <a:fld id="{03523B87-C2E6-4EEA-8E4C-075E217CD158}" type="datetimeFigureOut">
               <a:rPr lang="en-US" smtClean="0"/>
-              <a:t>11-Jan-21</a:t>
+              <a:t>1/11/2021</a:t>
             </a:fld>
             <a:endParaRPr lang="en-US"/>
           </a:p>
@@ -2824,7 +2824,7 @@
           <a:p>
             <a:fld id="{03523B87-C2E6-4EEA-8E4C-075E217CD158}" type="datetimeFigureOut">
               <a:rPr lang="en-US" smtClean="0"/>
-              <a:t>11-Jan-21</a:t>
+              <a:t>1/11/2021</a:t>
             </a:fld>
             <a:endParaRPr lang="en-US"/>
           </a:p>
@@ -3151,7 +3151,7 @@
           <a:p>
             <a:fld id="{03523B87-C2E6-4EEA-8E4C-075E217CD158}" type="datetimeFigureOut">
               <a:rPr lang="en-US" smtClean="0"/>
-              <a:t>11-Jan-21</a:t>
+              <a:t>1/11/2021</a:t>
             </a:fld>
             <a:endParaRPr lang="en-US"/>
           </a:p>
